--- a/img/101020617.pptx
+++ b/img/101020617.pptx
@@ -260,7 +260,7 @@
           <a:p>
             <a:fld id="{B3C763E6-A331-421D-8BD6-C5F36AE65CA4}" type="datetimeFigureOut">
               <a:rPr lang="zh-CN" altLang="en-US" smtClean="0"/>
-              <a:t>2018/12/4</a:t>
+              <a:t>2018/12/6</a:t>
             </a:fld>
             <a:endParaRPr lang="zh-CN" altLang="en-US"/>
           </a:p>
@@ -458,7 +458,7 @@
           <a:p>
             <a:fld id="{B3C763E6-A331-421D-8BD6-C5F36AE65CA4}" type="datetimeFigureOut">
               <a:rPr lang="zh-CN" altLang="en-US" smtClean="0"/>
-              <a:t>2018/12/4</a:t>
+              <a:t>2018/12/6</a:t>
             </a:fld>
             <a:endParaRPr lang="zh-CN" altLang="en-US"/>
           </a:p>
@@ -666,7 +666,7 @@
           <a:p>
             <a:fld id="{B3C763E6-A331-421D-8BD6-C5F36AE65CA4}" type="datetimeFigureOut">
               <a:rPr lang="zh-CN" altLang="en-US" smtClean="0"/>
-              <a:t>2018/12/4</a:t>
+              <a:t>2018/12/6</a:t>
             </a:fld>
             <a:endParaRPr lang="zh-CN" altLang="en-US"/>
           </a:p>
@@ -864,7 +864,7 @@
           <a:p>
             <a:fld id="{B3C763E6-A331-421D-8BD6-C5F36AE65CA4}" type="datetimeFigureOut">
               <a:rPr lang="zh-CN" altLang="en-US" smtClean="0"/>
-              <a:t>2018/12/4</a:t>
+              <a:t>2018/12/6</a:t>
             </a:fld>
             <a:endParaRPr lang="zh-CN" altLang="en-US"/>
           </a:p>
@@ -1139,7 +1139,7 @@
           <a:p>
             <a:fld id="{B3C763E6-A331-421D-8BD6-C5F36AE65CA4}" type="datetimeFigureOut">
               <a:rPr lang="zh-CN" altLang="en-US" smtClean="0"/>
-              <a:t>2018/12/4</a:t>
+              <a:t>2018/12/6</a:t>
             </a:fld>
             <a:endParaRPr lang="zh-CN" altLang="en-US"/>
           </a:p>
@@ -1404,7 +1404,7 @@
           <a:p>
             <a:fld id="{B3C763E6-A331-421D-8BD6-C5F36AE65CA4}" type="datetimeFigureOut">
               <a:rPr lang="zh-CN" altLang="en-US" smtClean="0"/>
-              <a:t>2018/12/4</a:t>
+              <a:t>2018/12/6</a:t>
             </a:fld>
             <a:endParaRPr lang="zh-CN" altLang="en-US"/>
           </a:p>
@@ -1816,7 +1816,7 @@
           <a:p>
             <a:fld id="{B3C763E6-A331-421D-8BD6-C5F36AE65CA4}" type="datetimeFigureOut">
               <a:rPr lang="zh-CN" altLang="en-US" smtClean="0"/>
-              <a:t>2018/12/4</a:t>
+              <a:t>2018/12/6</a:t>
             </a:fld>
             <a:endParaRPr lang="zh-CN" altLang="en-US"/>
           </a:p>
@@ -1957,7 +1957,7 @@
           <a:p>
             <a:fld id="{B3C763E6-A331-421D-8BD6-C5F36AE65CA4}" type="datetimeFigureOut">
               <a:rPr lang="zh-CN" altLang="en-US" smtClean="0"/>
-              <a:t>2018/12/4</a:t>
+              <a:t>2018/12/6</a:t>
             </a:fld>
             <a:endParaRPr lang="zh-CN" altLang="en-US"/>
           </a:p>
@@ -2070,7 +2070,7 @@
           <a:p>
             <a:fld id="{B3C763E6-A331-421D-8BD6-C5F36AE65CA4}" type="datetimeFigureOut">
               <a:rPr lang="zh-CN" altLang="en-US" smtClean="0"/>
-              <a:t>2018/12/4</a:t>
+              <a:t>2018/12/6</a:t>
             </a:fld>
             <a:endParaRPr lang="zh-CN" altLang="en-US"/>
           </a:p>
@@ -2381,7 +2381,7 @@
           <a:p>
             <a:fld id="{B3C763E6-A331-421D-8BD6-C5F36AE65CA4}" type="datetimeFigureOut">
               <a:rPr lang="zh-CN" altLang="en-US" smtClean="0"/>
-              <a:t>2018/12/4</a:t>
+              <a:t>2018/12/6</a:t>
             </a:fld>
             <a:endParaRPr lang="zh-CN" altLang="en-US"/>
           </a:p>
@@ -2669,7 +2669,7 @@
           <a:p>
             <a:fld id="{B3C763E6-A331-421D-8BD6-C5F36AE65CA4}" type="datetimeFigureOut">
               <a:rPr lang="zh-CN" altLang="en-US" smtClean="0"/>
-              <a:t>2018/12/4</a:t>
+              <a:t>2018/12/6</a:t>
             </a:fld>
             <a:endParaRPr lang="zh-CN" altLang="en-US"/>
           </a:p>
@@ -2910,7 +2910,7 @@
           <a:p>
             <a:fld id="{B3C763E6-A331-421D-8BD6-C5F36AE65CA4}" type="datetimeFigureOut">
               <a:rPr lang="zh-CN" altLang="en-US" smtClean="0"/>
-              <a:t>2018/12/4</a:t>
+              <a:t>2018/12/6</a:t>
             </a:fld>
             <a:endParaRPr lang="zh-CN" altLang="en-US"/>
           </a:p>
@@ -4283,29 +4283,34 @@
               </a:lnSpc>
             </a:pPr>
             <a:r>
-              <a:rPr lang="en-US" sz="1600" dirty="0">
+              <a:rPr lang="en-US" sz="1600">
                 <a:latin typeface="Leelawadee UI" panose="020B0502040204020203" pitchFamily="34" charset="-34"/>
                 <a:ea typeface="Microsoft JhengHei Light" panose="020B0304030504040204" pitchFamily="34" charset="-120"/>
                 <a:cs typeface="Leelawadee UI" panose="020B0502040204020203" pitchFamily="34" charset="-34"/>
               </a:rPr>
-              <a:t>SDA: I</a:t>
-            </a:r>
-            <a:r>
-              <a:rPr lang="en-US" sz="1600" baseline="30000" dirty="0">
+              <a:t>NC: not</a:t>
+            </a:r>
+            <a:r>
+              <a:rPr lang="zh-CN" altLang="en-US" sz="1600">
                 <a:latin typeface="Leelawadee UI" panose="020B0502040204020203" pitchFamily="34" charset="-34"/>
                 <a:ea typeface="Microsoft JhengHei Light" panose="020B0304030504040204" pitchFamily="34" charset="-120"/>
                 <a:cs typeface="Leelawadee UI" panose="020B0502040204020203" pitchFamily="34" charset="-34"/>
               </a:rPr>
-              <a:t>2</a:t>
-            </a:r>
-            <a:r>
-              <a:rPr lang="en-US" sz="1600" dirty="0">
+              <a:t> </a:t>
+            </a:r>
+            <a:r>
+              <a:rPr lang="en-US" altLang="zh-CN" sz="1600">
                 <a:latin typeface="Leelawadee UI" panose="020B0502040204020203" pitchFamily="34" charset="-34"/>
                 <a:ea typeface="Microsoft JhengHei Light" panose="020B0304030504040204" pitchFamily="34" charset="-120"/>
                 <a:cs typeface="Leelawadee UI" panose="020B0502040204020203" pitchFamily="34" charset="-34"/>
               </a:rPr>
-              <a:t>C serial data </a:t>
-            </a:r>
+              <a:t>connected</a:t>
+            </a:r>
+            <a:endParaRPr lang="en-US" sz="1600" dirty="0">
+              <a:latin typeface="Leelawadee UI" panose="020B0502040204020203" pitchFamily="34" charset="-34"/>
+              <a:ea typeface="Microsoft JhengHei Light" panose="020B0304030504040204" pitchFamily="34" charset="-120"/>
+              <a:cs typeface="Leelawadee UI" panose="020B0502040204020203" pitchFamily="34" charset="-34"/>
+            </a:endParaRPr>
           </a:p>
           <a:p>
             <a:pPr>
@@ -4314,36 +4319,12 @@
               </a:lnSpc>
             </a:pPr>
             <a:r>
-              <a:rPr lang="en-US" sz="1600" dirty="0">
+              <a:rPr lang="en-US" sz="1600">
                 <a:latin typeface="Leelawadee UI" panose="020B0502040204020203" pitchFamily="34" charset="-34"/>
                 <a:ea typeface="Microsoft JhengHei Light" panose="020B0304030504040204" pitchFamily="34" charset="-120"/>
                 <a:cs typeface="Leelawadee UI" panose="020B0502040204020203" pitchFamily="34" charset="-34"/>
               </a:rPr>
-              <a:t>SCL: I</a:t>
-            </a:r>
-            <a:r>
-              <a:rPr lang="en-US" sz="1600" baseline="30000" dirty="0">
-                <a:latin typeface="Leelawadee UI" panose="020B0502040204020203" pitchFamily="34" charset="-34"/>
-                <a:ea typeface="Microsoft JhengHei Light" panose="020B0304030504040204" pitchFamily="34" charset="-120"/>
-                <a:cs typeface="Leelawadee UI" panose="020B0502040204020203" pitchFamily="34" charset="-34"/>
-              </a:rPr>
-              <a:t>2</a:t>
-            </a:r>
-            <a:r>
-              <a:rPr lang="en-US" sz="1600" dirty="0">
-                <a:latin typeface="Leelawadee UI" panose="020B0502040204020203" pitchFamily="34" charset="-34"/>
-                <a:ea typeface="Microsoft JhengHei Light" panose="020B0304030504040204" pitchFamily="34" charset="-120"/>
-                <a:cs typeface="Leelawadee UI" panose="020B0502040204020203" pitchFamily="34" charset="-34"/>
-              </a:rPr>
-              <a:t>C </a:t>
-            </a:r>
-            <a:r>
-              <a:rPr lang="en-US" altLang="zh-CN" sz="1600" dirty="0">
-                <a:latin typeface="Leelawadee UI" panose="020B0502040204020203" pitchFamily="34" charset="-34"/>
-                <a:ea typeface="Microsoft JhengHei Light" panose="020B0304030504040204" pitchFamily="34" charset="-120"/>
-                <a:cs typeface="Leelawadee UI" panose="020B0502040204020203" pitchFamily="34" charset="-34"/>
-              </a:rPr>
-              <a:t>serial clock</a:t>
+              <a:t>SIG: signal pin</a:t>
             </a:r>
             <a:endParaRPr lang="en-US" sz="1600" dirty="0">
               <a:latin typeface="Leelawadee UI" panose="020B0502040204020203" pitchFamily="34" charset="-34"/>
